--- a/ppt/遊戲截圖/遊戲截圖.pptx
+++ b/ppt/遊戲截圖/遊戲截圖.pptx
@@ -9,6 +9,7 @@
     <p:sldId id="257" r:id="rId3"/>
     <p:sldId id="258" r:id="rId4"/>
     <p:sldId id="259" r:id="rId5"/>
+    <p:sldId id="260" r:id="rId6"/>
   </p:sldIdLst>
   <p:sldSz cx="12192000" cy="6858000"/>
   <p:notesSz cx="6858000" cy="9144000"/>
@@ -107,6 +108,11 @@
       </a:defRPr>
     </a:lvl9pPr>
   </p:defaultTextStyle>
+  <p:extLst>
+    <p:ext uri="{EFAFB233-063F-42B5-8137-9DF3F51BA10A}">
+      <p15:sldGuideLst xmlns:p15="http://schemas.microsoft.com/office/powerpoint/2012/main"/>
+    </p:ext>
+  </p:extLst>
 </p:presentation>
 </file>
 
@@ -3704,10 +3710,130 @@
           </a:p>
         </p:txBody>
       </p:sp>
+      <p:pic>
+        <p:nvPicPr>
+          <p:cNvPr id="3" name="图片 2">
+            <a:extLst>
+              <a:ext uri="{FF2B5EF4-FFF2-40B4-BE49-F238E27FC236}">
+                <a16:creationId xmlns:a16="http://schemas.microsoft.com/office/drawing/2014/main" id="{CF745AD2-D604-7938-CA29-A9669D112192}"/>
+              </a:ext>
+            </a:extLst>
+          </p:cNvPr>
+          <p:cNvPicPr>
+            <a:picLocks noChangeAspect="1"/>
+          </p:cNvPicPr>
+          <p:nvPr/>
+        </p:nvPicPr>
+        <p:blipFill>
+          <a:blip r:embed="rId3"/>
+          <a:stretch>
+            <a:fillRect/>
+          </a:stretch>
+        </p:blipFill>
+        <p:spPr>
+          <a:xfrm>
+            <a:off x="905034" y="1514168"/>
+            <a:ext cx="3717559" cy="4562144"/>
+          </a:xfrm>
+          <a:prstGeom prst="rect">
+            <a:avLst/>
+          </a:prstGeom>
+        </p:spPr>
+      </p:pic>
     </p:spTree>
     <p:extLst>
       <p:ext uri="{BB962C8B-B14F-4D97-AF65-F5344CB8AC3E}">
         <p14:creationId xmlns:p14="http://schemas.microsoft.com/office/powerpoint/2010/main" val="4273673895"/>
+      </p:ext>
+    </p:extLst>
+  </p:cSld>
+  <p:clrMapOvr>
+    <a:masterClrMapping/>
+  </p:clrMapOvr>
+</p:sld>
+</file>
+
+<file path=ppt/slides/slide5.xml><?xml version="1.0" encoding="utf-8"?>
+<p:sld xmlns:a="http://schemas.openxmlformats.org/drawingml/2006/main" xmlns:r="http://schemas.openxmlformats.org/officeDocument/2006/relationships" xmlns:p="http://schemas.openxmlformats.org/presentationml/2006/main">
+  <p:cSld>
+    <p:spTree>
+      <p:nvGrpSpPr>
+        <p:cNvPr id="1" name=""/>
+        <p:cNvGrpSpPr/>
+        <p:nvPr/>
+      </p:nvGrpSpPr>
+      <p:grpSpPr>
+        <a:xfrm>
+          <a:off x="0" y="0"/>
+          <a:ext cx="0" cy="0"/>
+          <a:chOff x="0" y="0"/>
+          <a:chExt cx="0" cy="0"/>
+        </a:xfrm>
+      </p:grpSpPr>
+      <p:pic>
+        <p:nvPicPr>
+          <p:cNvPr id="5" name="图片 4">
+            <a:extLst>
+              <a:ext uri="{FF2B5EF4-FFF2-40B4-BE49-F238E27FC236}">
+                <a16:creationId xmlns:a16="http://schemas.microsoft.com/office/drawing/2014/main" id="{C447B782-7DE1-C290-CE8B-DBF217E5728A}"/>
+              </a:ext>
+            </a:extLst>
+          </p:cNvPr>
+          <p:cNvPicPr>
+            <a:picLocks noChangeAspect="1"/>
+          </p:cNvPicPr>
+          <p:nvPr/>
+        </p:nvPicPr>
+        <p:blipFill>
+          <a:blip r:embed="rId2"/>
+          <a:stretch>
+            <a:fillRect/>
+          </a:stretch>
+        </p:blipFill>
+        <p:spPr>
+          <a:xfrm>
+            <a:off x="2671285" y="1944338"/>
+            <a:ext cx="6982799" cy="4286848"/>
+          </a:xfrm>
+          <a:prstGeom prst="rect">
+            <a:avLst/>
+          </a:prstGeom>
+        </p:spPr>
+      </p:pic>
+      <p:pic>
+        <p:nvPicPr>
+          <p:cNvPr id="7" name="图片 6">
+            <a:extLst>
+              <a:ext uri="{FF2B5EF4-FFF2-40B4-BE49-F238E27FC236}">
+                <a16:creationId xmlns:a16="http://schemas.microsoft.com/office/drawing/2014/main" id="{13E6C933-8450-86CA-4B8C-ED08528B6D86}"/>
+              </a:ext>
+            </a:extLst>
+          </p:cNvPr>
+          <p:cNvPicPr>
+            <a:picLocks noChangeAspect="1"/>
+          </p:cNvPicPr>
+          <p:nvPr/>
+        </p:nvPicPr>
+        <p:blipFill>
+          <a:blip r:embed="rId3"/>
+          <a:stretch>
+            <a:fillRect/>
+          </a:stretch>
+        </p:blipFill>
+        <p:spPr>
+          <a:xfrm>
+            <a:off x="2637942" y="322839"/>
+            <a:ext cx="7049484" cy="1276528"/>
+          </a:xfrm>
+          <a:prstGeom prst="rect">
+            <a:avLst/>
+          </a:prstGeom>
+        </p:spPr>
+      </p:pic>
+    </p:spTree>
+    <p:extLst>
+      <p:ext uri="{BB962C8B-B14F-4D97-AF65-F5344CB8AC3E}">
+        <p14:creationId xmlns:p14="http://schemas.microsoft.com/office/powerpoint/2010/main" val="1188657230"/>
       </p:ext>
     </p:extLst>
   </p:cSld>

--- a/ppt/遊戲截圖/遊戲截圖.pptx
+++ b/ppt/遊戲截圖/遊戲截圖.pptx
@@ -10,6 +10,7 @@
     <p:sldId id="258" r:id="rId4"/>
     <p:sldId id="259" r:id="rId5"/>
     <p:sldId id="260" r:id="rId6"/>
+    <p:sldId id="261" r:id="rId7"/>
   </p:sldIdLst>
   <p:sldSz cx="12192000" cy="6858000"/>
   <p:notesSz cx="6858000" cy="9144000"/>
@@ -3843,6 +3844,170 @@
 </p:sld>
 </file>
 
+<file path=ppt/slides/slide6.xml><?xml version="1.0" encoding="utf-8"?>
+<p:sld xmlns:a="http://schemas.openxmlformats.org/drawingml/2006/main" xmlns:r="http://schemas.openxmlformats.org/officeDocument/2006/relationships" xmlns:p="http://schemas.openxmlformats.org/presentationml/2006/main">
+  <p:cSld>
+    <p:spTree>
+      <p:nvGrpSpPr>
+        <p:cNvPr id="1" name=""/>
+        <p:cNvGrpSpPr/>
+        <p:nvPr/>
+      </p:nvGrpSpPr>
+      <p:grpSpPr>
+        <a:xfrm>
+          <a:off x="0" y="0"/>
+          <a:ext cx="0" cy="0"/>
+          <a:chOff x="0" y="0"/>
+          <a:chExt cx="0" cy="0"/>
+        </a:xfrm>
+      </p:grpSpPr>
+      <p:pic>
+        <p:nvPicPr>
+          <p:cNvPr id="5" name="图片 4">
+            <a:extLst>
+              <a:ext uri="{FF2B5EF4-FFF2-40B4-BE49-F238E27FC236}">
+                <a16:creationId xmlns:a16="http://schemas.microsoft.com/office/drawing/2014/main" id="{3A9A5F4B-C706-1C43-5991-3B657D37451C}"/>
+              </a:ext>
+            </a:extLst>
+          </p:cNvPr>
+          <p:cNvPicPr>
+            <a:picLocks noChangeAspect="1"/>
+          </p:cNvPicPr>
+          <p:nvPr/>
+        </p:nvPicPr>
+        <p:blipFill>
+          <a:blip r:embed="rId2"/>
+          <a:stretch>
+            <a:fillRect/>
+          </a:stretch>
+        </p:blipFill>
+        <p:spPr>
+          <a:xfrm>
+            <a:off x="1763714" y="280922"/>
+            <a:ext cx="8664572" cy="2824444"/>
+          </a:xfrm>
+          <a:prstGeom prst="rect">
+            <a:avLst/>
+          </a:prstGeom>
+        </p:spPr>
+      </p:pic>
+      <p:pic>
+        <p:nvPicPr>
+          <p:cNvPr id="7" name="图片 6">
+            <a:extLst>
+              <a:ext uri="{FF2B5EF4-FFF2-40B4-BE49-F238E27FC236}">
+                <a16:creationId xmlns:a16="http://schemas.microsoft.com/office/drawing/2014/main" id="{661CA865-7C09-6DAF-391A-737B5BEE41FC}"/>
+              </a:ext>
+            </a:extLst>
+          </p:cNvPr>
+          <p:cNvPicPr>
+            <a:picLocks noChangeAspect="1"/>
+          </p:cNvPicPr>
+          <p:nvPr/>
+        </p:nvPicPr>
+        <p:blipFill>
+          <a:blip r:embed="rId3"/>
+          <a:stretch>
+            <a:fillRect/>
+          </a:stretch>
+        </p:blipFill>
+        <p:spPr>
+          <a:xfrm>
+            <a:off x="1763714" y="3752635"/>
+            <a:ext cx="8664572" cy="2726921"/>
+          </a:xfrm>
+          <a:prstGeom prst="rect">
+            <a:avLst/>
+          </a:prstGeom>
+        </p:spPr>
+      </p:pic>
+      <p:sp>
+        <p:nvSpPr>
+          <p:cNvPr id="8" name="文本框 7">
+            <a:extLst>
+              <a:ext uri="{FF2B5EF4-FFF2-40B4-BE49-F238E27FC236}">
+                <a16:creationId xmlns:a16="http://schemas.microsoft.com/office/drawing/2014/main" id="{C0782378-7E74-AEEB-C763-D2702AC68448}"/>
+              </a:ext>
+            </a:extLst>
+          </p:cNvPr>
+          <p:cNvSpPr txBox="1"/>
+          <p:nvPr/>
+        </p:nvSpPr>
+        <p:spPr>
+          <a:xfrm>
+            <a:off x="344129" y="1317523"/>
+            <a:ext cx="1022555" cy="369332"/>
+          </a:xfrm>
+          <a:prstGeom prst="rect">
+            <a:avLst/>
+          </a:prstGeom>
+          <a:noFill/>
+        </p:spPr>
+        <p:txBody>
+          <a:bodyPr wrap="square" rtlCol="0">
+            <a:spAutoFit/>
+          </a:bodyPr>
+          <a:lstStyle/>
+          <a:p>
+            <a:r>
+              <a:rPr lang="zh-CN" altLang="en-US" dirty="0"/>
+              <a:t>驗證碼</a:t>
+            </a:r>
+          </a:p>
+        </p:txBody>
+      </p:sp>
+      <p:sp>
+        <p:nvSpPr>
+          <p:cNvPr id="9" name="文本框 8">
+            <a:extLst>
+              <a:ext uri="{FF2B5EF4-FFF2-40B4-BE49-F238E27FC236}">
+                <a16:creationId xmlns:a16="http://schemas.microsoft.com/office/drawing/2014/main" id="{4B05AC2A-B0E9-EAFD-6E97-188FFD5EA3A9}"/>
+              </a:ext>
+            </a:extLst>
+          </p:cNvPr>
+          <p:cNvSpPr txBox="1"/>
+          <p:nvPr/>
+        </p:nvSpPr>
+        <p:spPr>
+          <a:xfrm>
+            <a:off x="176981" y="4513006"/>
+            <a:ext cx="1337187" cy="646331"/>
+          </a:xfrm>
+          <a:prstGeom prst="rect">
+            <a:avLst/>
+          </a:prstGeom>
+          <a:noFill/>
+        </p:spPr>
+        <p:txBody>
+          <a:bodyPr wrap="square" rtlCol="0">
+            <a:spAutoFit/>
+          </a:bodyPr>
+          <a:lstStyle/>
+          <a:p>
+            <a:r>
+              <a:rPr lang="zh-CN" altLang="en-US" dirty="0"/>
+              <a:t>猜數字</a:t>
+            </a:r>
+            <a:endParaRPr lang="en-US" altLang="zh-CN" dirty="0"/>
+          </a:p>
+          <a:p>
+            <a:endParaRPr lang="zh-CN" altLang="en-US" dirty="0"/>
+          </a:p>
+        </p:txBody>
+      </p:sp>
+    </p:spTree>
+    <p:extLst>
+      <p:ext uri="{BB962C8B-B14F-4D97-AF65-F5344CB8AC3E}">
+        <p14:creationId xmlns:p14="http://schemas.microsoft.com/office/powerpoint/2010/main" val="3168109286"/>
+      </p:ext>
+    </p:extLst>
+  </p:cSld>
+  <p:clrMapOvr>
+    <a:masterClrMapping/>
+  </p:clrMapOvr>
+</p:sld>
+</file>
+
 <file path=ppt/theme/theme1.xml><?xml version="1.0" encoding="utf-8"?>
 <a:theme xmlns:a="http://schemas.openxmlformats.org/drawingml/2006/main" name="Office 主题​​">
   <a:themeElements>
